--- a/img/Figure Making/Figure Making.pptx
+++ b/img/Figure Making/Figure Making.pptx
@@ -245,7 +245,7 @@
           <a:p>
             <a:fld id="{2E903257-4453-45A3-9461-F306A9187483}" type="datetimeFigureOut">
               <a:rPr lang="ko-KR" altLang="en-US" smtClean="0"/>
-              <a:t>2023-10-15</a:t>
+              <a:t>2023-10-16</a:t>
             </a:fld>
             <a:endParaRPr lang="ko-KR" altLang="en-US"/>
           </a:p>
@@ -413,7 +413,7 @@
           <a:p>
             <a:fld id="{2E903257-4453-45A3-9461-F306A9187483}" type="datetimeFigureOut">
               <a:rPr lang="ko-KR" altLang="en-US" smtClean="0"/>
-              <a:t>2023-10-15</a:t>
+              <a:t>2023-10-16</a:t>
             </a:fld>
             <a:endParaRPr lang="ko-KR" altLang="en-US"/>
           </a:p>
@@ -591,7 +591,7 @@
           <a:p>
             <a:fld id="{2E903257-4453-45A3-9461-F306A9187483}" type="datetimeFigureOut">
               <a:rPr lang="ko-KR" altLang="en-US" smtClean="0"/>
-              <a:t>2023-10-15</a:t>
+              <a:t>2023-10-16</a:t>
             </a:fld>
             <a:endParaRPr lang="ko-KR" altLang="en-US"/>
           </a:p>
@@ -759,7 +759,7 @@
           <a:p>
             <a:fld id="{2E903257-4453-45A3-9461-F306A9187483}" type="datetimeFigureOut">
               <a:rPr lang="ko-KR" altLang="en-US" smtClean="0"/>
-              <a:t>2023-10-15</a:t>
+              <a:t>2023-10-16</a:t>
             </a:fld>
             <a:endParaRPr lang="ko-KR" altLang="en-US"/>
           </a:p>
@@ -1004,7 +1004,7 @@
           <a:p>
             <a:fld id="{2E903257-4453-45A3-9461-F306A9187483}" type="datetimeFigureOut">
               <a:rPr lang="ko-KR" altLang="en-US" smtClean="0"/>
-              <a:t>2023-10-15</a:t>
+              <a:t>2023-10-16</a:t>
             </a:fld>
             <a:endParaRPr lang="ko-KR" altLang="en-US"/>
           </a:p>
@@ -1233,7 +1233,7 @@
           <a:p>
             <a:fld id="{2E903257-4453-45A3-9461-F306A9187483}" type="datetimeFigureOut">
               <a:rPr lang="ko-KR" altLang="en-US" smtClean="0"/>
-              <a:t>2023-10-15</a:t>
+              <a:t>2023-10-16</a:t>
             </a:fld>
             <a:endParaRPr lang="ko-KR" altLang="en-US"/>
           </a:p>
@@ -1597,7 +1597,7 @@
           <a:p>
             <a:fld id="{2E903257-4453-45A3-9461-F306A9187483}" type="datetimeFigureOut">
               <a:rPr lang="ko-KR" altLang="en-US" smtClean="0"/>
-              <a:t>2023-10-15</a:t>
+              <a:t>2023-10-16</a:t>
             </a:fld>
             <a:endParaRPr lang="ko-KR" altLang="en-US"/>
           </a:p>
@@ -1714,7 +1714,7 @@
           <a:p>
             <a:fld id="{2E903257-4453-45A3-9461-F306A9187483}" type="datetimeFigureOut">
               <a:rPr lang="ko-KR" altLang="en-US" smtClean="0"/>
-              <a:t>2023-10-15</a:t>
+              <a:t>2023-10-16</a:t>
             </a:fld>
             <a:endParaRPr lang="ko-KR" altLang="en-US"/>
           </a:p>
@@ -1809,7 +1809,7 @@
           <a:p>
             <a:fld id="{2E903257-4453-45A3-9461-F306A9187483}" type="datetimeFigureOut">
               <a:rPr lang="ko-KR" altLang="en-US" smtClean="0"/>
-              <a:t>2023-10-15</a:t>
+              <a:t>2023-10-16</a:t>
             </a:fld>
             <a:endParaRPr lang="ko-KR" altLang="en-US"/>
           </a:p>
@@ -2084,7 +2084,7 @@
           <a:p>
             <a:fld id="{2E903257-4453-45A3-9461-F306A9187483}" type="datetimeFigureOut">
               <a:rPr lang="ko-KR" altLang="en-US" smtClean="0"/>
-              <a:t>2023-10-15</a:t>
+              <a:t>2023-10-16</a:t>
             </a:fld>
             <a:endParaRPr lang="ko-KR" altLang="en-US"/>
           </a:p>
@@ -2336,7 +2336,7 @@
           <a:p>
             <a:fld id="{2E903257-4453-45A3-9461-F306A9187483}" type="datetimeFigureOut">
               <a:rPr lang="ko-KR" altLang="en-US" smtClean="0"/>
-              <a:t>2023-10-15</a:t>
+              <a:t>2023-10-16</a:t>
             </a:fld>
             <a:endParaRPr lang="ko-KR" altLang="en-US"/>
           </a:p>
@@ -2547,7 +2547,7 @@
           <a:p>
             <a:fld id="{2E903257-4453-45A3-9461-F306A9187483}" type="datetimeFigureOut">
               <a:rPr lang="ko-KR" altLang="en-US" smtClean="0"/>
-              <a:t>2023-10-15</a:t>
+              <a:t>2023-10-16</a:t>
             </a:fld>
             <a:endParaRPr lang="ko-KR" altLang="en-US"/>
           </a:p>
@@ -3269,7 +3269,7 @@
         </p:blipFill>
         <p:spPr>
           <a:xfrm>
-            <a:off x="3782108" y="417081"/>
+            <a:off x="3396214" y="1281147"/>
             <a:ext cx="5194850" cy="1533640"/>
           </a:xfrm>
           <a:prstGeom prst="rect">
@@ -3298,7 +3298,7 @@
         </p:blipFill>
         <p:spPr>
           <a:xfrm>
-            <a:off x="3766868" y="1882139"/>
+            <a:off x="3380974" y="2746205"/>
             <a:ext cx="5217952" cy="2827021"/>
           </a:xfrm>
           <a:prstGeom prst="rect">
